--- a/DL Chatbot.pptx
+++ b/DL Chatbot.pptx
@@ -106,6 +106,11 @@
       </a:defRPr>
     </a:lvl9pPr>
   </p:defaultTextStyle>
+  <p:extLst>
+    <p:ext uri="{EFAFB233-063F-42B5-8137-9DF3F51BA10A}">
+      <p15:sldGuideLst xmlns:p15="http://schemas.microsoft.com/office/powerpoint/2012/main"/>
+    </p:ext>
+  </p:extLst>
 </p:presentation>
 </file>
 
@@ -4316,6 +4321,68 @@
           </a:fontRef>
         </p:style>
       </p:cxnSp>
+      <p:cxnSp>
+        <p:nvCxnSpPr>
+          <p:cNvPr id="3" name="Straight Arrow Connector 2"/>
+          <p:cNvCxnSpPr/>
+          <p:nvPr/>
+        </p:nvCxnSpPr>
+        <p:spPr>
+          <a:xfrm flipH="1">
+            <a:off x="2757261" y="645494"/>
+            <a:ext cx="900339" cy="0"/>
+          </a:xfrm>
+          <a:prstGeom prst="straightConnector1">
+            <a:avLst/>
+          </a:prstGeom>
+          <a:ln>
+            <a:tailEnd type="triangle"/>
+          </a:ln>
+        </p:spPr>
+        <p:style>
+          <a:lnRef idx="1">
+            <a:schemeClr val="accent1"/>
+          </a:lnRef>
+          <a:fillRef idx="0">
+            <a:schemeClr val="accent1"/>
+          </a:fillRef>
+          <a:effectRef idx="0">
+            <a:schemeClr val="accent1"/>
+          </a:effectRef>
+          <a:fontRef idx="minor">
+            <a:schemeClr val="tx1"/>
+          </a:fontRef>
+        </p:style>
+      </p:cxnSp>
+      <p:sp>
+        <p:nvSpPr>
+          <p:cNvPr id="32" name="Rectangle 31"/>
+          <p:cNvSpPr/>
+          <p:nvPr/>
+        </p:nvSpPr>
+        <p:spPr>
+          <a:xfrm>
+            <a:off x="3690983" y="431467"/>
+            <a:ext cx="2892010" cy="369332"/>
+          </a:xfrm>
+          <a:prstGeom prst="rect">
+            <a:avLst/>
+          </a:prstGeom>
+        </p:spPr>
+        <p:txBody>
+          <a:bodyPr wrap="none">
+            <a:spAutoFit/>
+          </a:bodyPr>
+          <a:lstStyle/>
+          <a:p>
+            <a:r>
+              <a:rPr lang="en-US" dirty="0" smtClean="0"/>
+              <a:t>Pair of Q&amp;A (Closed Domain)</a:t>
+            </a:r>
+            <a:endParaRPr lang="en-US" dirty="0"/>
+          </a:p>
+        </p:txBody>
+      </p:sp>
     </p:spTree>
     <p:extLst>
       <p:ext uri="{BB962C8B-B14F-4D97-AF65-F5344CB8AC3E}">
@@ -4535,8 +4602,21 @@
                   <a:schemeClr val="bg1"/>
                 </a:solidFill>
               </a:rPr>
-              <a:t>Do Padding</a:t>
-            </a:r>
+              <a:t>Do </a:t>
+            </a:r>
+            <a:r>
+              <a:rPr lang="en-US" dirty="0" smtClean="0">
+                <a:solidFill>
+                  <a:schemeClr val="bg1"/>
+                </a:solidFill>
+              </a:rPr>
+              <a:t>Bucketing &amp; Padding</a:t>
+            </a:r>
+            <a:endParaRPr lang="en-US" dirty="0" smtClean="0">
+              <a:solidFill>
+                <a:schemeClr val="bg1"/>
+              </a:solidFill>
+            </a:endParaRPr>
           </a:p>
           <a:p>
             <a:pPr marL="285750" indent="-285750">
